--- a/ESP8266FarmClientv2/BoardMap.pptx
+++ b/ESP8266FarmClientv2/BoardMap.pptx
@@ -104,6 +104,11 @@
       </a:defRPr>
     </a:lvl9pPr>
   </p:defaultTextStyle>
+  <p:extLst>
+    <p:ext uri="{EFAFB233-063F-42B5-8137-9DF3F51BA10A}">
+      <p15:sldGuideLst xmlns:p15="http://schemas.microsoft.com/office/powerpoint/2012/main"/>
+    </p:ext>
+  </p:extLst>
 </p:presentation>
 </file>
 
@@ -3349,7 +3354,7 @@
         </p:blipFill>
         <p:spPr>
           <a:xfrm rot="5400000">
-            <a:off x="3786673" y="1379766"/>
+            <a:off x="3786673" y="1700606"/>
             <a:ext cx="4618653" cy="3463990"/>
           </a:xfrm>
           <a:prstGeom prst="rect">
@@ -3371,7 +3376,7 @@
         </p:nvSpPr>
         <p:spPr>
           <a:xfrm>
-            <a:off x="8510336" y="5502441"/>
+            <a:off x="8510336" y="5823281"/>
             <a:ext cx="1331496" cy="416703"/>
           </a:xfrm>
           <a:prstGeom prst="borderCallout2">
@@ -3432,7 +3437,7 @@
         </p:nvSpPr>
         <p:spPr>
           <a:xfrm flipH="1">
-            <a:off x="2903620" y="5808765"/>
+            <a:off x="2903620" y="6129605"/>
             <a:ext cx="1331496" cy="416703"/>
           </a:xfrm>
           <a:prstGeom prst="borderCallout2">
@@ -3493,7 +3498,7 @@
         </p:nvSpPr>
         <p:spPr>
           <a:xfrm flipH="1">
-            <a:off x="933060" y="4808440"/>
+            <a:off x="933057" y="3749840"/>
             <a:ext cx="1868251" cy="416703"/>
           </a:xfrm>
           <a:prstGeom prst="borderCallout2">
@@ -3502,8 +3507,8 @@
               <a:gd name="adj2" fmla="val -8333"/>
               <a:gd name="adj3" fmla="val 18750"/>
               <a:gd name="adj4" fmla="val -16667"/>
-              <a:gd name="adj5" fmla="val -56944"/>
-              <a:gd name="adj6" fmla="val -110600"/>
+              <a:gd name="adj5" fmla="val 270287"/>
+              <a:gd name="adj6" fmla="val -106307"/>
             </a:avLst>
           </a:prstGeom>
         </p:spPr>
@@ -3549,7 +3554,7 @@
         </p:nvSpPr>
         <p:spPr>
           <a:xfrm>
-            <a:off x="9841832" y="2682551"/>
+            <a:off x="9841832" y="2485792"/>
             <a:ext cx="1331496" cy="416703"/>
           </a:xfrm>
           <a:prstGeom prst="borderCallout2">
@@ -3558,8 +3563,8 @@
               <a:gd name="adj2" fmla="val -8333"/>
               <a:gd name="adj3" fmla="val 18750"/>
               <a:gd name="adj4" fmla="val -16667"/>
-              <a:gd name="adj5" fmla="val -314243"/>
-              <a:gd name="adj6" fmla="val -219988"/>
+              <a:gd name="adj5" fmla="val -194900"/>
+              <a:gd name="adj6" fmla="val -217578"/>
             </a:avLst>
           </a:prstGeom>
         </p:spPr>
@@ -3617,7 +3622,7 @@
         </p:nvSpPr>
         <p:spPr>
           <a:xfrm>
-            <a:off x="9841832" y="3562801"/>
+            <a:off x="9841832" y="3114164"/>
             <a:ext cx="1331496" cy="416703"/>
           </a:xfrm>
           <a:prstGeom prst="borderCallout2">
@@ -3626,7 +3631,7 @@
               <a:gd name="adj2" fmla="val -8333"/>
               <a:gd name="adj3" fmla="val 18750"/>
               <a:gd name="adj4" fmla="val -16667"/>
-              <a:gd name="adj5" fmla="val -524398"/>
+              <a:gd name="adj5" fmla="val -343459"/>
               <a:gd name="adj6" fmla="val -241011"/>
             </a:avLst>
           </a:prstGeom>
@@ -3667,6 +3672,554 @@
             <a:r>
               <a:rPr lang="en-US" sz="1400" dirty="0"/>
               <a:t>D8</a:t>
+            </a:r>
+          </a:p>
+        </p:txBody>
+      </p:sp>
+      <p:sp>
+        <p:nvSpPr>
+          <p:cNvPr id="2" name="Callout: Bent Line 1">
+            <a:extLst>
+              <a:ext uri="{FF2B5EF4-FFF2-40B4-BE49-F238E27FC236}">
+                <a16:creationId xmlns:a16="http://schemas.microsoft.com/office/drawing/2014/main" id="{151F4E51-2460-4A3E-BAEB-2310D927C50A}"/>
+              </a:ext>
+            </a:extLst>
+          </p:cNvPr>
+          <p:cNvSpPr/>
+          <p:nvPr/>
+        </p:nvSpPr>
+        <p:spPr>
+          <a:xfrm>
+            <a:off x="9841832" y="4696586"/>
+            <a:ext cx="1331496" cy="416703"/>
+          </a:xfrm>
+          <a:prstGeom prst="borderCallout2">
+            <a:avLst>
+              <a:gd name="adj1" fmla="val 18750"/>
+              <a:gd name="adj2" fmla="val -8333"/>
+              <a:gd name="adj3" fmla="val 18750"/>
+              <a:gd name="adj4" fmla="val -16667"/>
+              <a:gd name="adj5" fmla="val -460533"/>
+              <a:gd name="adj6" fmla="val -222397"/>
+            </a:avLst>
+          </a:prstGeom>
+        </p:spPr>
+        <p:style>
+          <a:lnRef idx="2">
+            <a:schemeClr val="accent1">
+              <a:shade val="50000"/>
+            </a:schemeClr>
+          </a:lnRef>
+          <a:fillRef idx="1">
+            <a:schemeClr val="accent1"/>
+          </a:fillRef>
+          <a:effectRef idx="0">
+            <a:schemeClr val="accent1"/>
+          </a:effectRef>
+          <a:fontRef idx="minor">
+            <a:schemeClr val="lt1"/>
+          </a:fontRef>
+        </p:style>
+        <p:txBody>
+          <a:bodyPr rtlCol="0" anchor="ctr"/>
+          <a:lstStyle/>
+          <a:p>
+            <a:pPr algn="ctr"/>
+            <a:r>
+              <a:rPr lang="en-US" sz="1400" dirty="0"/>
+              <a:t>3.3V GND</a:t>
+            </a:r>
+          </a:p>
+        </p:txBody>
+      </p:sp>
+      <p:sp>
+        <p:nvSpPr>
+          <p:cNvPr id="3" name="Callout: Bent Line 2">
+            <a:extLst>
+              <a:ext uri="{FF2B5EF4-FFF2-40B4-BE49-F238E27FC236}">
+                <a16:creationId xmlns:a16="http://schemas.microsoft.com/office/drawing/2014/main" id="{3D7EA317-F53B-42E7-8BF5-FEF51EC86B13}"/>
+              </a:ext>
+            </a:extLst>
+          </p:cNvPr>
+          <p:cNvSpPr/>
+          <p:nvPr/>
+        </p:nvSpPr>
+        <p:spPr>
+          <a:xfrm>
+            <a:off x="9841832" y="4159240"/>
+            <a:ext cx="1331496" cy="416703"/>
+          </a:xfrm>
+          <a:prstGeom prst="borderCallout2">
+            <a:avLst>
+              <a:gd name="adj1" fmla="val 18750"/>
+              <a:gd name="adj2" fmla="val -8333"/>
+              <a:gd name="adj3" fmla="val 18750"/>
+              <a:gd name="adj4" fmla="val -16667"/>
+              <a:gd name="adj5" fmla="val -333491"/>
+              <a:gd name="adj6" fmla="val -203120"/>
+            </a:avLst>
+          </a:prstGeom>
+        </p:spPr>
+        <p:style>
+          <a:lnRef idx="2">
+            <a:schemeClr val="accent1">
+              <a:shade val="50000"/>
+            </a:schemeClr>
+          </a:lnRef>
+          <a:fillRef idx="1">
+            <a:schemeClr val="accent1"/>
+          </a:fillRef>
+          <a:effectRef idx="0">
+            <a:schemeClr val="accent1"/>
+          </a:effectRef>
+          <a:fontRef idx="minor">
+            <a:schemeClr val="lt1"/>
+          </a:fontRef>
+        </p:style>
+        <p:txBody>
+          <a:bodyPr rtlCol="0" anchor="ctr"/>
+          <a:lstStyle/>
+          <a:p>
+            <a:pPr algn="ctr"/>
+            <a:r>
+              <a:rPr lang="en-US" sz="1400" dirty="0"/>
+              <a:t>3.3V +</a:t>
+            </a:r>
+            <a:r>
+              <a:rPr lang="en-US" sz="1400" dirty="0" err="1"/>
+              <a:t>ve</a:t>
+            </a:r>
+            <a:endParaRPr lang="en-US" sz="1400" dirty="0"/>
+          </a:p>
+        </p:txBody>
+      </p:sp>
+      <p:sp>
+        <p:nvSpPr>
+          <p:cNvPr id="4" name="Callout: Bent Line 3">
+            <a:extLst>
+              <a:ext uri="{FF2B5EF4-FFF2-40B4-BE49-F238E27FC236}">
+                <a16:creationId xmlns:a16="http://schemas.microsoft.com/office/drawing/2014/main" id="{04EB5749-FAB8-4245-8E43-8A24E5CB507C}"/>
+              </a:ext>
+            </a:extLst>
+          </p:cNvPr>
+          <p:cNvSpPr/>
+          <p:nvPr/>
+        </p:nvSpPr>
+        <p:spPr>
+          <a:xfrm flipH="1">
+            <a:off x="933054" y="2337018"/>
+            <a:ext cx="1868251" cy="516590"/>
+          </a:xfrm>
+          <a:prstGeom prst="borderCallout2">
+            <a:avLst>
+              <a:gd name="adj1" fmla="val 18750"/>
+              <a:gd name="adj2" fmla="val -8333"/>
+              <a:gd name="adj3" fmla="val 18750"/>
+              <a:gd name="adj4" fmla="val -16667"/>
+              <a:gd name="adj5" fmla="val 21878"/>
+              <a:gd name="adj6" fmla="val -105448"/>
+            </a:avLst>
+          </a:prstGeom>
+        </p:spPr>
+        <p:style>
+          <a:lnRef idx="2">
+            <a:schemeClr val="accent1">
+              <a:shade val="50000"/>
+            </a:schemeClr>
+          </a:lnRef>
+          <a:fillRef idx="1">
+            <a:schemeClr val="accent1"/>
+          </a:fillRef>
+          <a:effectRef idx="0">
+            <a:schemeClr val="accent1"/>
+          </a:effectRef>
+          <a:fontRef idx="minor">
+            <a:schemeClr val="lt1"/>
+          </a:fontRef>
+        </p:style>
+        <p:txBody>
+          <a:bodyPr rtlCol="0" anchor="ctr"/>
+          <a:lstStyle/>
+          <a:p>
+            <a:pPr algn="ctr"/>
+            <a:r>
+              <a:rPr lang="en-US" sz="1400" dirty="0"/>
+              <a:t>Multiplexer Low Bit (D0)</a:t>
+            </a:r>
+          </a:p>
+        </p:txBody>
+      </p:sp>
+      <p:sp>
+        <p:nvSpPr>
+          <p:cNvPr id="6" name="Callout: Bent Line 5">
+            <a:extLst>
+              <a:ext uri="{FF2B5EF4-FFF2-40B4-BE49-F238E27FC236}">
+                <a16:creationId xmlns:a16="http://schemas.microsoft.com/office/drawing/2014/main" id="{9CDFC3D1-E80B-4816-8018-78F00EA1450F}"/>
+              </a:ext>
+            </a:extLst>
+          </p:cNvPr>
+          <p:cNvSpPr/>
+          <p:nvPr/>
+        </p:nvSpPr>
+        <p:spPr>
+          <a:xfrm flipH="1">
+            <a:off x="933055" y="3050900"/>
+            <a:ext cx="1868251" cy="516590"/>
+          </a:xfrm>
+          <a:prstGeom prst="borderCallout2">
+            <a:avLst>
+              <a:gd name="adj1" fmla="val 18750"/>
+              <a:gd name="adj2" fmla="val -8333"/>
+              <a:gd name="adj3" fmla="val 18750"/>
+              <a:gd name="adj4" fmla="val -16667"/>
+              <a:gd name="adj5" fmla="val -111653"/>
+              <a:gd name="adj6" fmla="val -120046"/>
+            </a:avLst>
+          </a:prstGeom>
+        </p:spPr>
+        <p:style>
+          <a:lnRef idx="2">
+            <a:schemeClr val="accent1">
+              <a:shade val="50000"/>
+            </a:schemeClr>
+          </a:lnRef>
+          <a:fillRef idx="1">
+            <a:schemeClr val="accent1"/>
+          </a:fillRef>
+          <a:effectRef idx="0">
+            <a:schemeClr val="accent1"/>
+          </a:effectRef>
+          <a:fontRef idx="minor">
+            <a:schemeClr val="lt1"/>
+          </a:fontRef>
+        </p:style>
+        <p:txBody>
+          <a:bodyPr rtlCol="0" anchor="ctr"/>
+          <a:lstStyle/>
+          <a:p>
+            <a:pPr algn="ctr"/>
+            <a:r>
+              <a:rPr lang="en-US" sz="1400" dirty="0"/>
+              <a:t>Multiplexer High Bit (D1)</a:t>
+            </a:r>
+          </a:p>
+        </p:txBody>
+      </p:sp>
+      <p:sp>
+        <p:nvSpPr>
+          <p:cNvPr id="7" name="Callout: Bent Line 6">
+            <a:extLst>
+              <a:ext uri="{FF2B5EF4-FFF2-40B4-BE49-F238E27FC236}">
+                <a16:creationId xmlns:a16="http://schemas.microsoft.com/office/drawing/2014/main" id="{21250BEA-6B93-440E-A0EE-E02E1E3ACCB5}"/>
+              </a:ext>
+            </a:extLst>
+          </p:cNvPr>
+          <p:cNvSpPr/>
+          <p:nvPr/>
+        </p:nvSpPr>
+        <p:spPr>
+          <a:xfrm flipH="1">
+            <a:off x="933055" y="5077717"/>
+            <a:ext cx="1868251" cy="516590"/>
+          </a:xfrm>
+          <a:prstGeom prst="borderCallout2">
+            <a:avLst>
+              <a:gd name="adj1" fmla="val 18750"/>
+              <a:gd name="adj2" fmla="val -8333"/>
+              <a:gd name="adj3" fmla="val 18750"/>
+              <a:gd name="adj4" fmla="val -16667"/>
+              <a:gd name="adj5" fmla="val -37695"/>
+              <a:gd name="adj6" fmla="val -122621"/>
+            </a:avLst>
+          </a:prstGeom>
+        </p:spPr>
+        <p:style>
+          <a:lnRef idx="2">
+            <a:schemeClr val="accent1">
+              <a:shade val="50000"/>
+            </a:schemeClr>
+          </a:lnRef>
+          <a:fillRef idx="1">
+            <a:schemeClr val="accent1"/>
+          </a:fillRef>
+          <a:effectRef idx="0">
+            <a:schemeClr val="accent1"/>
+          </a:effectRef>
+          <a:fontRef idx="minor">
+            <a:schemeClr val="lt1"/>
+          </a:fontRef>
+        </p:style>
+        <p:txBody>
+          <a:bodyPr rtlCol="0" anchor="ctr"/>
+          <a:lstStyle/>
+          <a:p>
+            <a:pPr algn="ctr"/>
+            <a:r>
+              <a:rPr lang="en-US" sz="1400" dirty="0"/>
+              <a:t>Humidity/Temp</a:t>
+            </a:r>
+          </a:p>
+          <a:p>
+            <a:pPr algn="ctr"/>
+            <a:r>
+              <a:rPr lang="en-US" sz="1400" dirty="0"/>
+              <a:t>D3</a:t>
+            </a:r>
+          </a:p>
+        </p:txBody>
+      </p:sp>
+      <p:sp>
+        <p:nvSpPr>
+          <p:cNvPr id="9" name="Callout: Bent Line 8">
+            <a:extLst>
+              <a:ext uri="{FF2B5EF4-FFF2-40B4-BE49-F238E27FC236}">
+                <a16:creationId xmlns:a16="http://schemas.microsoft.com/office/drawing/2014/main" id="{E6B85FFF-540A-4EDD-9A82-16EE25F24425}"/>
+              </a:ext>
+            </a:extLst>
+          </p:cNvPr>
+          <p:cNvSpPr/>
+          <p:nvPr/>
+        </p:nvSpPr>
+        <p:spPr>
+          <a:xfrm flipH="1">
+            <a:off x="933055" y="606684"/>
+            <a:ext cx="1868251" cy="516590"/>
+          </a:xfrm>
+          <a:prstGeom prst="borderCallout2">
+            <a:avLst>
+              <a:gd name="adj1" fmla="val 18750"/>
+              <a:gd name="adj2" fmla="val -8333"/>
+              <a:gd name="adj3" fmla="val 18750"/>
+              <a:gd name="adj4" fmla="val -16667"/>
+              <a:gd name="adj5" fmla="val 231492"/>
+              <a:gd name="adj6" fmla="val -143230"/>
+            </a:avLst>
+          </a:prstGeom>
+        </p:spPr>
+        <p:style>
+          <a:lnRef idx="2">
+            <a:schemeClr val="accent1">
+              <a:shade val="50000"/>
+            </a:schemeClr>
+          </a:lnRef>
+          <a:fillRef idx="1">
+            <a:schemeClr val="accent1"/>
+          </a:fillRef>
+          <a:effectRef idx="0">
+            <a:schemeClr val="accent1"/>
+          </a:effectRef>
+          <a:fontRef idx="minor">
+            <a:schemeClr val="lt1"/>
+          </a:fontRef>
+        </p:style>
+        <p:txBody>
+          <a:bodyPr rtlCol="0" anchor="ctr"/>
+          <a:lstStyle/>
+          <a:p>
+            <a:pPr algn="ctr"/>
+            <a:r>
+              <a:rPr lang="en-US" sz="1400" dirty="0"/>
+              <a:t>Solenoid –</a:t>
+            </a:r>
+            <a:r>
+              <a:rPr lang="en-US" sz="1400" dirty="0" err="1"/>
+              <a:t>ve</a:t>
+            </a:r>
+            <a:r>
+              <a:rPr lang="en-US" sz="1400" dirty="0"/>
+              <a:t> (D2)</a:t>
+            </a:r>
+          </a:p>
+        </p:txBody>
+      </p:sp>
+      <p:sp>
+        <p:nvSpPr>
+          <p:cNvPr id="23" name="Callout: Bent Line 22">
+            <a:extLst>
+              <a:ext uri="{FF2B5EF4-FFF2-40B4-BE49-F238E27FC236}">
+                <a16:creationId xmlns:a16="http://schemas.microsoft.com/office/drawing/2014/main" id="{CC2457BF-39D1-4B2A-8858-54AAF828F2EC}"/>
+              </a:ext>
+            </a:extLst>
+          </p:cNvPr>
+          <p:cNvSpPr/>
+          <p:nvPr/>
+        </p:nvSpPr>
+        <p:spPr>
+          <a:xfrm flipH="1">
+            <a:off x="3874167" y="425780"/>
+            <a:ext cx="1499937" cy="516590"/>
+          </a:xfrm>
+          <a:prstGeom prst="borderCallout2">
+            <a:avLst>
+              <a:gd name="adj1" fmla="val 18750"/>
+              <a:gd name="adj2" fmla="val -8333"/>
+              <a:gd name="adj3" fmla="val 18750"/>
+              <a:gd name="adj4" fmla="val -16667"/>
+              <a:gd name="adj5" fmla="val 259439"/>
+              <a:gd name="adj6" fmla="val -23000"/>
+            </a:avLst>
+          </a:prstGeom>
+        </p:spPr>
+        <p:style>
+          <a:lnRef idx="2">
+            <a:schemeClr val="accent1">
+              <a:shade val="50000"/>
+            </a:schemeClr>
+          </a:lnRef>
+          <a:fillRef idx="1">
+            <a:schemeClr val="accent1"/>
+          </a:fillRef>
+          <a:effectRef idx="0">
+            <a:schemeClr val="accent1"/>
+          </a:effectRef>
+          <a:fontRef idx="minor">
+            <a:schemeClr val="lt1"/>
+          </a:fontRef>
+        </p:style>
+        <p:txBody>
+          <a:bodyPr rtlCol="0" anchor="ctr"/>
+          <a:lstStyle/>
+          <a:p>
+            <a:pPr algn="ctr"/>
+            <a:r>
+              <a:rPr lang="en-US" sz="1400" dirty="0"/>
+              <a:t>Solenoid +</a:t>
+            </a:r>
+            <a:r>
+              <a:rPr lang="en-US" sz="1400" dirty="0" err="1"/>
+              <a:t>ve</a:t>
+            </a:r>
+            <a:r>
+              <a:rPr lang="en-US" sz="1400" dirty="0"/>
+              <a:t> (D2)</a:t>
+            </a:r>
+          </a:p>
+        </p:txBody>
+      </p:sp>
+      <p:sp>
+        <p:nvSpPr>
+          <p:cNvPr id="25" name="Callout: Bent Line 24">
+            <a:extLst>
+              <a:ext uri="{FF2B5EF4-FFF2-40B4-BE49-F238E27FC236}">
+                <a16:creationId xmlns:a16="http://schemas.microsoft.com/office/drawing/2014/main" id="{35B4054C-A3C4-4F28-8C75-61F93D462EFE}"/>
+              </a:ext>
+            </a:extLst>
+          </p:cNvPr>
+          <p:cNvSpPr/>
+          <p:nvPr/>
+        </p:nvSpPr>
+        <p:spPr>
+          <a:xfrm>
+            <a:off x="6248400" y="168595"/>
+            <a:ext cx="1259305" cy="416703"/>
+          </a:xfrm>
+          <a:prstGeom prst="borderCallout2">
+            <a:avLst>
+              <a:gd name="adj1" fmla="val 18750"/>
+              <a:gd name="adj2" fmla="val -8333"/>
+              <a:gd name="adj3" fmla="val 18750"/>
+              <a:gd name="adj4" fmla="val -16667"/>
+              <a:gd name="adj5" fmla="val 370673"/>
+              <a:gd name="adj6" fmla="val -18357"/>
+            </a:avLst>
+          </a:prstGeom>
+        </p:spPr>
+        <p:style>
+          <a:lnRef idx="2">
+            <a:schemeClr val="accent1">
+              <a:shade val="50000"/>
+            </a:schemeClr>
+          </a:lnRef>
+          <a:fillRef idx="1">
+            <a:schemeClr val="accent1"/>
+          </a:fillRef>
+          <a:effectRef idx="0">
+            <a:schemeClr val="accent1"/>
+          </a:effectRef>
+          <a:fontRef idx="minor">
+            <a:schemeClr val="lt1"/>
+          </a:fontRef>
+        </p:style>
+        <p:txBody>
+          <a:bodyPr rtlCol="0" anchor="ctr"/>
+          <a:lstStyle/>
+          <a:p>
+            <a:pPr algn="ctr"/>
+            <a:r>
+              <a:rPr lang="en-US" sz="1400" dirty="0"/>
+              <a:t>Fans –</a:t>
+            </a:r>
+            <a:r>
+              <a:rPr lang="en-US" sz="1400" dirty="0" err="1"/>
+              <a:t>ve</a:t>
+            </a:r>
+            <a:r>
+              <a:rPr lang="en-US" sz="1400" dirty="0"/>
+              <a:t> (D5)</a:t>
+            </a:r>
+          </a:p>
+        </p:txBody>
+      </p:sp>
+      <p:sp>
+        <p:nvSpPr>
+          <p:cNvPr id="27" name="Callout: Bent Line 26">
+            <a:extLst>
+              <a:ext uri="{FF2B5EF4-FFF2-40B4-BE49-F238E27FC236}">
+                <a16:creationId xmlns:a16="http://schemas.microsoft.com/office/drawing/2014/main" id="{D772CD5A-C04C-4D65-A5A7-2A132F5E868C}"/>
+              </a:ext>
+            </a:extLst>
+          </p:cNvPr>
+          <p:cNvSpPr/>
+          <p:nvPr/>
+        </p:nvSpPr>
+        <p:spPr>
+          <a:xfrm>
+            <a:off x="7827995" y="504085"/>
+            <a:ext cx="1259305" cy="416703"/>
+          </a:xfrm>
+          <a:prstGeom prst="borderCallout2">
+            <a:avLst>
+              <a:gd name="adj1" fmla="val 18750"/>
+              <a:gd name="adj2" fmla="val -8333"/>
+              <a:gd name="adj3" fmla="val 18750"/>
+              <a:gd name="adj4" fmla="val -16667"/>
+              <a:gd name="adj5" fmla="val 284054"/>
+              <a:gd name="adj6" fmla="val -124090"/>
+            </a:avLst>
+          </a:prstGeom>
+        </p:spPr>
+        <p:style>
+          <a:lnRef idx="2">
+            <a:schemeClr val="accent1">
+              <a:shade val="50000"/>
+            </a:schemeClr>
+          </a:lnRef>
+          <a:fillRef idx="1">
+            <a:schemeClr val="accent1"/>
+          </a:fillRef>
+          <a:effectRef idx="0">
+            <a:schemeClr val="accent1"/>
+          </a:effectRef>
+          <a:fontRef idx="minor">
+            <a:schemeClr val="lt1"/>
+          </a:fontRef>
+        </p:style>
+        <p:txBody>
+          <a:bodyPr rtlCol="0" anchor="ctr"/>
+          <a:lstStyle/>
+          <a:p>
+            <a:pPr algn="ctr"/>
+            <a:r>
+              <a:rPr lang="en-US" sz="1400" dirty="0"/>
+              <a:t>Fans –</a:t>
+            </a:r>
+            <a:r>
+              <a:rPr lang="en-US" sz="1400" dirty="0" err="1"/>
+              <a:t>ve</a:t>
+            </a:r>
+            <a:r>
+              <a:rPr lang="en-US" sz="1400" dirty="0"/>
+              <a:t> (D5)</a:t>
             </a:r>
           </a:p>
         </p:txBody>

--- a/ESP8266FarmClientv2/BoardMap.pptx
+++ b/ESP8266FarmClientv2/BoardMap.pptx
@@ -3498,8 +3498,8 @@
         </p:nvSpPr>
         <p:spPr>
           <a:xfrm flipH="1">
-            <a:off x="933057" y="3749840"/>
-            <a:ext cx="1868251" cy="416703"/>
+            <a:off x="933054" y="3749839"/>
+            <a:ext cx="1868251" cy="1363449"/>
           </a:xfrm>
           <a:prstGeom prst="borderCallout2">
             <a:avLst>
@@ -3507,8 +3507,8 @@
               <a:gd name="adj2" fmla="val -8333"/>
               <a:gd name="adj3" fmla="val 18750"/>
               <a:gd name="adj4" fmla="val -16667"/>
-              <a:gd name="adj5" fmla="val 270287"/>
-              <a:gd name="adj6" fmla="val -106307"/>
+              <a:gd name="adj5" fmla="val 108527"/>
+              <a:gd name="adj6" fmla="val -107166"/>
             </a:avLst>
           </a:prstGeom>
         </p:spPr>
@@ -3535,7 +3535,35 @@
             <a:pPr algn="ctr"/>
             <a:r>
               <a:rPr lang="en-US" sz="1400" dirty="0"/>
-              <a:t>Analog Sensor Input</a:t>
+              <a:t>Multiplexed Analog Sensor Input</a:t>
+            </a:r>
+          </a:p>
+          <a:p>
+            <a:pPr algn="ctr"/>
+            <a:r>
+              <a:rPr lang="en-US" sz="1400" dirty="0"/>
+              <a:t>0=Moisture</a:t>
+            </a:r>
+          </a:p>
+          <a:p>
+            <a:pPr algn="ctr"/>
+            <a:r>
+              <a:rPr lang="en-US" sz="1400" dirty="0"/>
+              <a:t>1=Light</a:t>
+            </a:r>
+          </a:p>
+          <a:p>
+            <a:pPr algn="ctr"/>
+            <a:r>
+              <a:rPr lang="en-US" sz="1400" dirty="0"/>
+              <a:t>2= Sensor Power</a:t>
+            </a:r>
+          </a:p>
+          <a:p>
+            <a:pPr algn="ctr"/>
+            <a:r>
+              <a:rPr lang="en-US" sz="1400" dirty="0"/>
+              <a:t>3=Battery Power</a:t>
             </a:r>
           </a:p>
         </p:txBody>
@@ -3919,7 +3947,7 @@
         </p:nvSpPr>
         <p:spPr>
           <a:xfrm flipH="1">
-            <a:off x="933055" y="5077717"/>
+            <a:off x="933053" y="5398559"/>
             <a:ext cx="1868251" cy="516590"/>
           </a:xfrm>
           <a:prstGeom prst="borderCallout2">
@@ -3928,7 +3956,7 @@
               <a:gd name="adj2" fmla="val -8333"/>
               <a:gd name="adj3" fmla="val 18750"/>
               <a:gd name="adj4" fmla="val -16667"/>
-              <a:gd name="adj5" fmla="val -37695"/>
+              <a:gd name="adj5" fmla="val -90487"/>
               <a:gd name="adj6" fmla="val -122621"/>
             </a:avLst>
           </a:prstGeom>
@@ -4210,16 +4238,68 @@
           <a:p>
             <a:pPr algn="ctr"/>
             <a:r>
-              <a:rPr lang="en-US" sz="1400" dirty="0"/>
-              <a:t>Fans –</a:t>
-            </a:r>
-            <a:r>
-              <a:rPr lang="en-US" sz="1400" dirty="0" err="1"/>
-              <a:t>ve</a:t>
+              <a:rPr lang="en-US" sz="1400"/>
+              <a:t>Fans +ve</a:t>
             </a:r>
             <a:r>
               <a:rPr lang="en-US" sz="1400" dirty="0"/>
               <a:t> (D5)</a:t>
+            </a:r>
+          </a:p>
+        </p:txBody>
+      </p:sp>
+      <p:sp>
+        <p:nvSpPr>
+          <p:cNvPr id="8" name="Callout: Bent Line 7">
+            <a:extLst>
+              <a:ext uri="{FF2B5EF4-FFF2-40B4-BE49-F238E27FC236}">
+                <a16:creationId xmlns:a16="http://schemas.microsoft.com/office/drawing/2014/main" id="{2B2903AB-16B8-4D39-886D-10B48BEB1DCB}"/>
+              </a:ext>
+            </a:extLst>
+          </p:cNvPr>
+          <p:cNvSpPr/>
+          <p:nvPr/>
+        </p:nvSpPr>
+        <p:spPr>
+          <a:xfrm flipH="1">
+            <a:off x="933054" y="1393025"/>
+            <a:ext cx="1868251" cy="516590"/>
+          </a:xfrm>
+          <a:prstGeom prst="borderCallout2">
+            <a:avLst>
+              <a:gd name="adj1" fmla="val 18750"/>
+              <a:gd name="adj2" fmla="val -8333"/>
+              <a:gd name="adj3" fmla="val 18750"/>
+              <a:gd name="adj4" fmla="val -16667"/>
+              <a:gd name="adj5" fmla="val 77775"/>
+              <a:gd name="adj6" fmla="val -114893"/>
+            </a:avLst>
+          </a:prstGeom>
+        </p:spPr>
+        <p:style>
+          <a:lnRef idx="2">
+            <a:schemeClr val="accent1">
+              <a:shade val="50000"/>
+            </a:schemeClr>
+          </a:lnRef>
+          <a:fillRef idx="1">
+            <a:schemeClr val="accent1"/>
+          </a:fillRef>
+          <a:effectRef idx="0">
+            <a:schemeClr val="accent1"/>
+          </a:effectRef>
+          <a:fontRef idx="minor">
+            <a:schemeClr val="lt1"/>
+          </a:fontRef>
+        </p:style>
+        <p:txBody>
+          <a:bodyPr rtlCol="0" anchor="ctr"/>
+          <a:lstStyle/>
+          <a:p>
+            <a:pPr algn="ctr"/>
+            <a:r>
+              <a:rPr lang="en-US" sz="1400" dirty="0"/>
+              <a:t>Multiplexer C3 (Battery Power)</a:t>
             </a:r>
           </a:p>
         </p:txBody>
